--- a/Objects/Objects.pptx
+++ b/Objects/Objects.pptx
@@ -5,7 +5,7 @@
     <p:sldMasterId id="2147483648" r:id="rId1"/>
   </p:sldMasterIdLst>
   <p:notesMasterIdLst>
-    <p:notesMasterId r:id="rId14"/>
+    <p:notesMasterId r:id="rId18"/>
   </p:notesMasterIdLst>
   <p:sldIdLst>
     <p:sldId id="256" r:id="rId4"/>
@@ -18,6 +18,10 @@
     <p:sldId id="263" r:id="rId11"/>
     <p:sldId id="264" r:id="rId12"/>
     <p:sldId id="265" r:id="rId13"/>
+    <p:sldId id="266" r:id="rId14"/>
+    <p:sldId id="267" r:id="rId15"/>
+    <p:sldId id="268" r:id="rId16"/>
+    <p:sldId id="269" r:id="rId17"/>
   </p:sldIdLst>
   <p:sldSz cx="12192000" cy="6858000"/>
   <p:notesSz cx="6858000" cy="9144000"/>
@@ -584,6 +588,334 @@
 </file>
 
 <file path=ppt/notesSlides/notesSlide10.xml><?xml version="1.0" encoding="utf-8"?>
+<p:notes xmlns:a="http://schemas.openxmlformats.org/drawingml/2006/main" xmlns:r="http://schemas.openxmlformats.org/officeDocument/2006/relationships" xmlns:p="http://schemas.openxmlformats.org/presentationml/2006/main" xmlns:m="http://schemas.openxmlformats.org/officeDocument/2006/math" xmlns:w="http://schemas.openxmlformats.org/wordprocessingml/2006/main">
+  <p:cSld name="">
+    <p:spTree>
+      <p:nvGrpSpPr>
+        <p:cNvPr id="1" name=""/>
+        <p:cNvGrpSpPr/>
+        <p:nvPr/>
+      </p:nvGrpSpPr>
+      <p:grpSpPr bwMode="auto">
+        <a:xfrm>
+          <a:off x="0" y="0"/>
+          <a:ext cx="0" cy="0"/>
+          <a:chOff x="0" y="0"/>
+          <a:chExt cx="0" cy="0"/>
+        </a:xfrm>
+      </p:grpSpPr>
+      <p:sp>
+        <p:nvSpPr>
+          <p:cNvPr id="2" name="Slide Image Placeholder 1"/>
+          <p:cNvSpPr>
+            <a:spLocks noChangeAspect="1" noGrp="1" noRot="1"/>
+          </p:cNvSpPr>
+          <p:nvPr>
+            <p:ph type="sldImg"/>
+          </p:nvPr>
+        </p:nvSpPr>
+        <p:spPr bwMode="auto"/>
+      </p:sp>
+      <p:sp>
+        <p:nvSpPr>
+          <p:cNvPr id="3" name="Notes Placeholder 2"/>
+          <p:cNvSpPr>
+            <a:spLocks noGrp="1"/>
+          </p:cNvSpPr>
+          <p:nvPr>
+            <p:ph type="body" idx="1"/>
+          </p:nvPr>
+        </p:nvSpPr>
+        <p:spPr bwMode="auto"/>
+        <p:txBody>
+          <a:bodyPr/>
+          <a:lstStyle/>
+          <a:p>
+            <a:pPr>
+              <a:defRPr/>
+            </a:pPr>
+            <a:endParaRPr/>
+          </a:p>
+        </p:txBody>
+      </p:sp>
+      <p:sp>
+        <p:nvSpPr>
+          <p:cNvPr id="4" name="Slide Number Placeholder 3"/>
+          <p:cNvSpPr>
+            <a:spLocks noGrp="1"/>
+          </p:cNvSpPr>
+          <p:nvPr>
+            <p:ph type="sldNum" sz="quarter" idx="10"/>
+          </p:nvPr>
+        </p:nvSpPr>
+        <p:spPr bwMode="auto"/>
+        <p:txBody>
+          <a:bodyPr/>
+          <a:lstStyle/>
+          <a:p>
+            <a:pPr>
+              <a:defRPr/>
+            </a:pPr>
+            <a:fld id="{532110B3-2269-D34A-77B2-8A4C45111787}" type="slidenum">
+              <a:rPr/>
+              <a:t/>
+            </a:fld>
+            <a:endParaRPr/>
+          </a:p>
+        </p:txBody>
+      </p:sp>
+    </p:spTree>
+  </p:cSld>
+</p:notes>
+</file>
+
+<file path=ppt/notesSlides/notesSlide11.xml><?xml version="1.0" encoding="utf-8"?>
+<p:notes xmlns:a="http://schemas.openxmlformats.org/drawingml/2006/main" xmlns:r="http://schemas.openxmlformats.org/officeDocument/2006/relationships" xmlns:p="http://schemas.openxmlformats.org/presentationml/2006/main" xmlns:m="http://schemas.openxmlformats.org/officeDocument/2006/math" xmlns:w="http://schemas.openxmlformats.org/wordprocessingml/2006/main">
+  <p:cSld name="">
+    <p:spTree>
+      <p:nvGrpSpPr>
+        <p:cNvPr id="1" name=""/>
+        <p:cNvGrpSpPr/>
+        <p:nvPr/>
+      </p:nvGrpSpPr>
+      <p:grpSpPr bwMode="auto">
+        <a:xfrm>
+          <a:off x="0" y="0"/>
+          <a:ext cx="0" cy="0"/>
+          <a:chOff x="0" y="0"/>
+          <a:chExt cx="0" cy="0"/>
+        </a:xfrm>
+      </p:grpSpPr>
+      <p:sp>
+        <p:nvSpPr>
+          <p:cNvPr id="2" name="Slide Image Placeholder 1"/>
+          <p:cNvSpPr>
+            <a:spLocks noChangeAspect="1" noGrp="1" noRot="1"/>
+          </p:cNvSpPr>
+          <p:nvPr>
+            <p:ph type="sldImg"/>
+          </p:nvPr>
+        </p:nvSpPr>
+        <p:spPr bwMode="auto"/>
+      </p:sp>
+      <p:sp>
+        <p:nvSpPr>
+          <p:cNvPr id="3" name="Notes Placeholder 2"/>
+          <p:cNvSpPr>
+            <a:spLocks noGrp="1"/>
+          </p:cNvSpPr>
+          <p:nvPr>
+            <p:ph type="body" idx="1"/>
+          </p:nvPr>
+        </p:nvSpPr>
+        <p:spPr bwMode="auto"/>
+        <p:txBody>
+          <a:bodyPr/>
+          <a:lstStyle/>
+          <a:p>
+            <a:pPr>
+              <a:defRPr/>
+            </a:pPr>
+            <a:endParaRPr/>
+          </a:p>
+        </p:txBody>
+      </p:sp>
+      <p:sp>
+        <p:nvSpPr>
+          <p:cNvPr id="4" name="Slide Number Placeholder 3"/>
+          <p:cNvSpPr>
+            <a:spLocks noGrp="1"/>
+          </p:cNvSpPr>
+          <p:nvPr>
+            <p:ph type="sldNum" sz="quarter" idx="10"/>
+          </p:nvPr>
+        </p:nvSpPr>
+        <p:spPr bwMode="auto"/>
+        <p:txBody>
+          <a:bodyPr/>
+          <a:lstStyle/>
+          <a:p>
+            <a:pPr>
+              <a:defRPr/>
+            </a:pPr>
+            <a:fld id="{8E43E42A-D3A2-B1C9-2EE3-CCA88E68BC19}" type="slidenum">
+              <a:rPr/>
+              <a:t/>
+            </a:fld>
+            <a:endParaRPr/>
+          </a:p>
+        </p:txBody>
+      </p:sp>
+    </p:spTree>
+  </p:cSld>
+</p:notes>
+</file>
+
+<file path=ppt/notesSlides/notesSlide12.xml><?xml version="1.0" encoding="utf-8"?>
+<p:notes xmlns:a="http://schemas.openxmlformats.org/drawingml/2006/main" xmlns:r="http://schemas.openxmlformats.org/officeDocument/2006/relationships" xmlns:p="http://schemas.openxmlformats.org/presentationml/2006/main" xmlns:m="http://schemas.openxmlformats.org/officeDocument/2006/math" xmlns:w="http://schemas.openxmlformats.org/wordprocessingml/2006/main">
+  <p:cSld name="">
+    <p:spTree>
+      <p:nvGrpSpPr>
+        <p:cNvPr id="1" name=""/>
+        <p:cNvGrpSpPr/>
+        <p:nvPr/>
+      </p:nvGrpSpPr>
+      <p:grpSpPr bwMode="auto">
+        <a:xfrm>
+          <a:off x="0" y="0"/>
+          <a:ext cx="0" cy="0"/>
+          <a:chOff x="0" y="0"/>
+          <a:chExt cx="0" cy="0"/>
+        </a:xfrm>
+      </p:grpSpPr>
+      <p:sp>
+        <p:nvSpPr>
+          <p:cNvPr id="2" name="Slide Image Placeholder 1"/>
+          <p:cNvSpPr>
+            <a:spLocks noChangeAspect="1" noGrp="1" noRot="1"/>
+          </p:cNvSpPr>
+          <p:nvPr>
+            <p:ph type="sldImg"/>
+          </p:nvPr>
+        </p:nvSpPr>
+        <p:spPr bwMode="auto"/>
+      </p:sp>
+      <p:sp>
+        <p:nvSpPr>
+          <p:cNvPr id="3" name="Notes Placeholder 2"/>
+          <p:cNvSpPr>
+            <a:spLocks noGrp="1"/>
+          </p:cNvSpPr>
+          <p:nvPr>
+            <p:ph type="body" idx="1"/>
+          </p:nvPr>
+        </p:nvSpPr>
+        <p:spPr bwMode="auto"/>
+        <p:txBody>
+          <a:bodyPr/>
+          <a:lstStyle/>
+          <a:p>
+            <a:pPr>
+              <a:defRPr/>
+            </a:pPr>
+            <a:endParaRPr/>
+          </a:p>
+        </p:txBody>
+      </p:sp>
+      <p:sp>
+        <p:nvSpPr>
+          <p:cNvPr id="4" name="Slide Number Placeholder 3"/>
+          <p:cNvSpPr>
+            <a:spLocks noGrp="1"/>
+          </p:cNvSpPr>
+          <p:nvPr>
+            <p:ph type="sldNum" sz="quarter" idx="10"/>
+          </p:nvPr>
+        </p:nvSpPr>
+        <p:spPr bwMode="auto"/>
+        <p:txBody>
+          <a:bodyPr/>
+          <a:lstStyle/>
+          <a:p>
+            <a:pPr>
+              <a:defRPr/>
+            </a:pPr>
+            <a:fld id="{8A8B5FE5-F8B8-E19E-A7CB-2A998E66E8FA}" type="slidenum">
+              <a:rPr/>
+              <a:t/>
+            </a:fld>
+            <a:endParaRPr/>
+          </a:p>
+        </p:txBody>
+      </p:sp>
+    </p:spTree>
+  </p:cSld>
+</p:notes>
+</file>
+
+<file path=ppt/notesSlides/notesSlide13.xml><?xml version="1.0" encoding="utf-8"?>
+<p:notes xmlns:a="http://schemas.openxmlformats.org/drawingml/2006/main" xmlns:r="http://schemas.openxmlformats.org/officeDocument/2006/relationships" xmlns:p="http://schemas.openxmlformats.org/presentationml/2006/main" xmlns:m="http://schemas.openxmlformats.org/officeDocument/2006/math" xmlns:w="http://schemas.openxmlformats.org/wordprocessingml/2006/main">
+  <p:cSld name="">
+    <p:spTree>
+      <p:nvGrpSpPr>
+        <p:cNvPr id="1" name=""/>
+        <p:cNvGrpSpPr/>
+        <p:nvPr/>
+      </p:nvGrpSpPr>
+      <p:grpSpPr bwMode="auto">
+        <a:xfrm>
+          <a:off x="0" y="0"/>
+          <a:ext cx="0" cy="0"/>
+          <a:chOff x="0" y="0"/>
+          <a:chExt cx="0" cy="0"/>
+        </a:xfrm>
+      </p:grpSpPr>
+      <p:sp>
+        <p:nvSpPr>
+          <p:cNvPr id="2" name="Slide Image Placeholder 1"/>
+          <p:cNvSpPr>
+            <a:spLocks noChangeAspect="1" noGrp="1" noRot="1"/>
+          </p:cNvSpPr>
+          <p:nvPr>
+            <p:ph type="sldImg"/>
+          </p:nvPr>
+        </p:nvSpPr>
+        <p:spPr bwMode="auto"/>
+      </p:sp>
+      <p:sp>
+        <p:nvSpPr>
+          <p:cNvPr id="3" name="Notes Placeholder 2"/>
+          <p:cNvSpPr>
+            <a:spLocks noGrp="1"/>
+          </p:cNvSpPr>
+          <p:nvPr>
+            <p:ph type="body" idx="1"/>
+          </p:nvPr>
+        </p:nvSpPr>
+        <p:spPr bwMode="auto"/>
+        <p:txBody>
+          <a:bodyPr/>
+          <a:lstStyle/>
+          <a:p>
+            <a:pPr>
+              <a:defRPr/>
+            </a:pPr>
+            <a:endParaRPr/>
+          </a:p>
+        </p:txBody>
+      </p:sp>
+      <p:sp>
+        <p:nvSpPr>
+          <p:cNvPr id="4" name="Slide Number Placeholder 3"/>
+          <p:cNvSpPr>
+            <a:spLocks noGrp="1"/>
+          </p:cNvSpPr>
+          <p:nvPr>
+            <p:ph type="sldNum" sz="quarter" idx="10"/>
+          </p:nvPr>
+        </p:nvSpPr>
+        <p:spPr bwMode="auto"/>
+        <p:txBody>
+          <a:bodyPr/>
+          <a:lstStyle/>
+          <a:p>
+            <a:pPr>
+              <a:defRPr/>
+            </a:pPr>
+            <a:fld id="{5D62E37E-1C57-F796-AB10-14AA5E7F80D4}" type="slidenum">
+              <a:rPr/>
+              <a:t/>
+            </a:fld>
+            <a:endParaRPr/>
+          </a:p>
+        </p:txBody>
+      </p:sp>
+    </p:spTree>
+  </p:cSld>
+</p:notes>
+</file>
+
+<file path=ppt/notesSlides/notesSlide14.xml><?xml version="1.0" encoding="utf-8"?>
 <p:notes xmlns:a="http://schemas.openxmlformats.org/drawingml/2006/main" xmlns:r="http://schemas.openxmlformats.org/officeDocument/2006/relationships" xmlns:p="http://schemas.openxmlformats.org/presentationml/2006/main" xmlns:m="http://schemas.openxmlformats.org/officeDocument/2006/math" xmlns:w="http://schemas.openxmlformats.org/wordprocessingml/2006/main">
   <p:cSld name="">
     <p:spTree>
@@ -7442,6 +7774,479 @@
       </p:grpSpPr>
       <p:sp>
         <p:nvSpPr>
+          <p:cNvPr id="1587384805" name="Заголовок 1"/>
+          <p:cNvSpPr>
+            <a:spLocks noGrp="1"/>
+          </p:cNvSpPr>
+          <p:nvPr>
+            <p:ph type="title"/>
+          </p:nvPr>
+        </p:nvSpPr>
+        <p:spPr bwMode="auto"/>
+        <p:txBody>
+          <a:bodyPr/>
+          <a:lstStyle/>
+          <a:p>
+            <a:pPr>
+              <a:defRPr/>
+            </a:pPr>
+            <a:r>
+              <a:rPr/>
+              <a:t>Zmienne specjalne</a:t>
+            </a:r>
+            <a:endParaRPr/>
+          </a:p>
+        </p:txBody>
+      </p:sp>
+      <p:sp>
+        <p:nvSpPr>
+          <p:cNvPr id="831891955" name="Объект 2"/>
+          <p:cNvSpPr>
+            <a:spLocks noGrp="1"/>
+          </p:cNvSpPr>
+          <p:nvPr>
+            <p:ph idx="1"/>
+          </p:nvPr>
+        </p:nvSpPr>
+        <p:spPr bwMode="auto"/>
+        <p:txBody>
+          <a:bodyPr/>
+          <a:lstStyle/>
+          <a:p>
+            <a:pPr>
+              <a:defRPr/>
+            </a:pPr>
+            <a:r>
+              <a:rPr/>
+              <a:t>W Pythonie funkcjonuje zbiór zmiennych „systemowych”</a:t>
+            </a:r>
+            <a:endParaRPr/>
+          </a:p>
+          <a:p>
+            <a:pPr>
+              <a:defRPr/>
+            </a:pPr>
+            <a:r>
+              <a:rPr/>
+              <a:t>Oznaczono je jako __zmienna__ (podwójne podkreślenia)</a:t>
+            </a:r>
+            <a:endParaRPr/>
+          </a:p>
+        </p:txBody>
+      </p:sp>
+    </p:spTree>
+  </p:cSld>
+  <p:clrMapOvr>
+    <a:masterClrMapping/>
+  </p:clrMapOvr>
+  <mc:AlternateContent xmlns:mc="http://schemas.openxmlformats.org/markup-compatibility/2006">
+    <mc:Choice xmlns:p159="http://schemas.microsoft.com/office/powerpoint/2015/09/main" xmlns:p14="http://schemas.microsoft.com/office/powerpoint/2010/main" Requires="p159">
+      <p:transition p14:dur="2000" advClick="1"/>
+    </mc:Choice>
+    <mc:Fallback>
+      <p:transition advClick="1"/>
+    </mc:Fallback>
+  </mc:AlternateContent>
+</p:sld>
+</file>
+
+<file path=ppt/slides/slide11.xml><?xml version="1.0" encoding="utf-8"?>
+<p:sld xmlns:a="http://schemas.openxmlformats.org/drawingml/2006/main" xmlns:r="http://schemas.openxmlformats.org/officeDocument/2006/relationships" xmlns:p="http://schemas.openxmlformats.org/presentationml/2006/main" xmlns:m="http://schemas.openxmlformats.org/officeDocument/2006/math" xmlns:w="http://schemas.openxmlformats.org/wordprocessingml/2006/main" showMasterPhAnim="0" show="1">
+  <p:cSld name="">
+    <p:spTree>
+      <p:nvGrpSpPr>
+        <p:cNvPr id="1" name=""/>
+        <p:cNvGrpSpPr/>
+        <p:nvPr/>
+      </p:nvGrpSpPr>
+      <p:grpSpPr bwMode="auto">
+        <a:xfrm>
+          <a:off x="0" y="0"/>
+          <a:ext cx="0" cy="0"/>
+          <a:chOff x="0" y="0"/>
+          <a:chExt cx="0" cy="0"/>
+        </a:xfrm>
+      </p:grpSpPr>
+      <p:sp>
+        <p:nvSpPr>
+          <p:cNvPr id="1293115052" name="Заголовок 1"/>
+          <p:cNvSpPr>
+            <a:spLocks noGrp="1"/>
+          </p:cNvSpPr>
+          <p:nvPr>
+            <p:ph type="title"/>
+          </p:nvPr>
+        </p:nvSpPr>
+        <p:spPr bwMode="auto"/>
+        <p:txBody>
+          <a:bodyPr vertOverflow="overflow" horzOverflow="overflow" vert="horz" wrap="square" lIns="91440" tIns="45720" rIns="91440" bIns="45720" numCol="1" spcCol="0" rtlCol="0" fromWordArt="0" anchor="ctr" anchorCtr="0" forceAA="0" upright="0" compatLnSpc="0">
+            <a:normAutofit fontScale="95000" lnSpcReduction="1000"/>
+          </a:bodyPr>
+          <a:lstStyle/>
+          <a:p>
+            <a:pPr>
+              <a:defRPr/>
+            </a:pPr>
+            <a:r>
+              <a:rPr/>
+              <a:t>Zmienne i metody specjalne - przykłady</a:t>
+            </a:r>
+            <a:endParaRPr/>
+          </a:p>
+        </p:txBody>
+      </p:sp>
+      <p:sp>
+        <p:nvSpPr>
+          <p:cNvPr id="409830213" name="Объект 2"/>
+          <p:cNvSpPr>
+            <a:spLocks noGrp="1"/>
+          </p:cNvSpPr>
+          <p:nvPr>
+            <p:ph idx="1"/>
+          </p:nvPr>
+        </p:nvSpPr>
+        <p:spPr bwMode="auto"/>
+        <p:txBody>
+          <a:bodyPr/>
+          <a:lstStyle/>
+          <a:p>
+            <a:pPr>
+              <a:defRPr/>
+            </a:pPr>
+            <a:r>
+              <a:rPr/>
+              <a:t>__name__ – nazwa aktualnego modułu</a:t>
+            </a:r>
+            <a:endParaRPr/>
+          </a:p>
+          <a:p>
+            <a:pPr>
+              <a:defRPr/>
+            </a:pPr>
+            <a:r>
+              <a:rPr/>
+              <a:t>__bases__ – krotka z klasami bazowymi danej klasy</a:t>
+            </a:r>
+            <a:endParaRPr/>
+          </a:p>
+          <a:p>
+            <a:pPr>
+              <a:defRPr/>
+            </a:pPr>
+            <a:r>
+              <a:rPr/>
+              <a:t>__dict__ – słownik nazw klasy/obiektu</a:t>
+            </a:r>
+            <a:endParaRPr/>
+          </a:p>
+          <a:p>
+            <a:pPr>
+              <a:defRPr/>
+            </a:pPr>
+            <a:r>
+              <a:rPr/>
+              <a:t>__class__ – nazwa klasy do której należy obiekt</a:t>
+            </a:r>
+            <a:endParaRPr/>
+          </a:p>
+          <a:p>
+            <a:pPr>
+              <a:defRPr/>
+            </a:pPr>
+            <a:r>
+              <a:rPr/>
+              <a:t>__sizeof__ – rozmiar obiektu (w bajtach)</a:t>
+            </a:r>
+            <a:endParaRPr/>
+          </a:p>
+          <a:p>
+            <a:pPr>
+              <a:defRPr/>
+            </a:pPr>
+            <a:endParaRPr/>
+          </a:p>
+          <a:p>
+            <a:pPr>
+              <a:defRPr/>
+            </a:pPr>
+            <a:r>
+              <a:rPr/>
+              <a:t>Istnieje więcej, ale od tego jest dokumentacja :)</a:t>
+            </a:r>
+            <a:endParaRPr/>
+          </a:p>
+          <a:p>
+            <a:pPr>
+              <a:defRPr/>
+            </a:pPr>
+            <a:r>
+              <a:rPr/>
+              <a:t>Zadanie: zademonstrować działanie __bases__, __dict__, __class__ i __sizeof__</a:t>
+            </a:r>
+            <a:endParaRPr/>
+          </a:p>
+        </p:txBody>
+      </p:sp>
+      <p:sp>
+        <p:nvSpPr>
+          <p:cNvPr id="342342647" name=""/>
+          <p:cNvSpPr txBox="1"/>
+          <p:nvPr/>
+        </p:nvSpPr>
+        <p:spPr bwMode="auto">
+          <a:xfrm flipH="0" flipV="0">
+            <a:off x="8524874" y="6000750"/>
+            <a:ext cx="1785134" cy="366120"/>
+          </a:xfrm>
+          <a:prstGeom prst="rect">
+            <a:avLst/>
+          </a:prstGeom>
+          <a:noFill/>
+        </p:spPr>
+        <p:txBody>
+          <a:bodyPr vertOverflow="overflow" horzOverflow="overflow" vert="horz" wrap="square" lIns="91440" tIns="45720" rIns="91440" bIns="45720" numCol="1" spcCol="0" rtlCol="0" fromWordArt="0" anchor="t" anchorCtr="0" forceAA="0" upright="0" compatLnSpc="0">
+            <a:spAutoFit/>
+          </a:bodyPr>
+          <a:p>
+            <a:pPr>
+              <a:defRPr/>
+            </a:pPr>
+            <a:r>
+              <a:rPr>
+                <a:latin typeface="Nimbus Mono PS"/>
+                <a:ea typeface="Nimbus Mono PS"/>
+                <a:cs typeface="Nimbus Mono PS"/>
+              </a:rPr>
+              <a:t>special.py</a:t>
+            </a:r>
+            <a:endParaRPr/>
+          </a:p>
+        </p:txBody>
+      </p:sp>
+    </p:spTree>
+  </p:cSld>
+  <p:clrMapOvr>
+    <a:masterClrMapping/>
+  </p:clrMapOvr>
+  <mc:AlternateContent xmlns:mc="http://schemas.openxmlformats.org/markup-compatibility/2006">
+    <mc:Choice xmlns:p159="http://schemas.microsoft.com/office/powerpoint/2015/09/main" xmlns:p14="http://schemas.microsoft.com/office/powerpoint/2010/main" Requires="p159">
+      <p:transition p14:dur="2000" advClick="1"/>
+    </mc:Choice>
+    <mc:Fallback>
+      <p:transition advClick="1"/>
+    </mc:Fallback>
+  </mc:AlternateContent>
+</p:sld>
+</file>
+
+<file path=ppt/slides/slide12.xml><?xml version="1.0" encoding="utf-8"?>
+<p:sld xmlns:a="http://schemas.openxmlformats.org/drawingml/2006/main" xmlns:r="http://schemas.openxmlformats.org/officeDocument/2006/relationships" xmlns:p="http://schemas.openxmlformats.org/presentationml/2006/main" xmlns:m="http://schemas.openxmlformats.org/officeDocument/2006/math" xmlns:w="http://schemas.openxmlformats.org/wordprocessingml/2006/main" showMasterPhAnim="0" show="1">
+  <p:cSld name="">
+    <p:spTree>
+      <p:nvGrpSpPr>
+        <p:cNvPr id="1" name=""/>
+        <p:cNvGrpSpPr/>
+        <p:nvPr/>
+      </p:nvGrpSpPr>
+      <p:grpSpPr bwMode="auto">
+        <a:xfrm>
+          <a:off x="0" y="0"/>
+          <a:ext cx="0" cy="0"/>
+          <a:chOff x="0" y="0"/>
+          <a:chExt cx="0" cy="0"/>
+        </a:xfrm>
+      </p:grpSpPr>
+      <p:sp>
+        <p:nvSpPr>
+          <p:cNvPr id="820426260" name="Заголовок 1"/>
+          <p:cNvSpPr>
+            <a:spLocks noGrp="1"/>
+          </p:cNvSpPr>
+          <p:nvPr>
+            <p:ph type="title"/>
+          </p:nvPr>
+        </p:nvSpPr>
+        <p:spPr bwMode="auto"/>
+        <p:txBody>
+          <a:bodyPr/>
+          <a:lstStyle/>
+          <a:p>
+            <a:pPr>
+              <a:defRPr/>
+            </a:pPr>
+            <a:r>
+              <a:rPr/>
+              <a:t>Nadpisywanie metod</a:t>
+            </a:r>
+            <a:endParaRPr/>
+          </a:p>
+        </p:txBody>
+      </p:sp>
+      <p:sp>
+        <p:nvSpPr>
+          <p:cNvPr id="1434644108" name="Объект 2"/>
+          <p:cNvSpPr>
+            <a:spLocks noGrp="1"/>
+          </p:cNvSpPr>
+          <p:nvPr>
+            <p:ph idx="1"/>
+          </p:nvPr>
+        </p:nvSpPr>
+        <p:spPr bwMode="auto"/>
+        <p:txBody>
+          <a:bodyPr/>
+          <a:lstStyle/>
+          <a:p>
+            <a:pPr>
+              <a:defRPr/>
+            </a:pPr>
+            <a:r>
+              <a:rPr/>
+              <a:t>Jak pokazano wcześniej, metody możemy nadpisywać przy dziedziczeniu</a:t>
+            </a:r>
+            <a:endParaRPr/>
+          </a:p>
+          <a:p>
+            <a:pPr>
+              <a:defRPr/>
+            </a:pPr>
+            <a:r>
+              <a:rPr/>
+              <a:t>Istnieje szereg metod specjalnych, których Python używa wewnętrznie i których nadpisanie zmienia zachowanie obiektu</a:t>
+            </a:r>
+            <a:endParaRPr/>
+          </a:p>
+        </p:txBody>
+      </p:sp>
+    </p:spTree>
+  </p:cSld>
+  <p:clrMapOvr>
+    <a:masterClrMapping/>
+  </p:clrMapOvr>
+  <mc:AlternateContent xmlns:mc="http://schemas.openxmlformats.org/markup-compatibility/2006">
+    <mc:Choice xmlns:p159="http://schemas.microsoft.com/office/powerpoint/2015/09/main" xmlns:p14="http://schemas.microsoft.com/office/powerpoint/2010/main" Requires="p159">
+      <p:transition p14:dur="2000" advClick="1"/>
+    </mc:Choice>
+    <mc:Fallback>
+      <p:transition advClick="1"/>
+    </mc:Fallback>
+  </mc:AlternateContent>
+</p:sld>
+</file>
+
+<file path=ppt/slides/slide13.xml><?xml version="1.0" encoding="utf-8"?>
+<p:sld xmlns:a="http://schemas.openxmlformats.org/drawingml/2006/main" xmlns:r="http://schemas.openxmlformats.org/officeDocument/2006/relationships" xmlns:p="http://schemas.openxmlformats.org/presentationml/2006/main" xmlns:m="http://schemas.openxmlformats.org/officeDocument/2006/math" xmlns:w="http://schemas.openxmlformats.org/wordprocessingml/2006/main" showMasterPhAnim="0" show="1">
+  <p:cSld name="">
+    <p:spTree>
+      <p:nvGrpSpPr>
+        <p:cNvPr id="1" name=""/>
+        <p:cNvGrpSpPr/>
+        <p:nvPr/>
+      </p:nvGrpSpPr>
+      <p:grpSpPr bwMode="auto">
+        <a:xfrm>
+          <a:off x="0" y="0"/>
+          <a:ext cx="0" cy="0"/>
+          <a:chOff x="0" y="0"/>
+          <a:chExt cx="0" cy="0"/>
+        </a:xfrm>
+      </p:grpSpPr>
+      <p:sp>
+        <p:nvSpPr>
+          <p:cNvPr id="1332294681" name="Заголовок 1"/>
+          <p:cNvSpPr>
+            <a:spLocks noGrp="1"/>
+          </p:cNvSpPr>
+          <p:nvPr>
+            <p:ph type="title"/>
+          </p:nvPr>
+        </p:nvSpPr>
+        <p:spPr bwMode="auto"/>
+        <p:txBody>
+          <a:bodyPr/>
+          <a:lstStyle/>
+          <a:p>
+            <a:pPr>
+              <a:defRPr/>
+            </a:pPr>
+            <a:r>
+              <a:rPr lang="pl-PL" sz="4400" b="1" i="0" u="none" strike="noStrike" cap="none" spc="0">
+                <a:solidFill>
+                  <a:schemeClr val="accent6">
+                    <a:lumMod val="50000"/>
+                  </a:schemeClr>
+                </a:solidFill>
+                <a:latin typeface="+mj-lt"/>
+                <a:ea typeface="+mj-ea"/>
+                <a:cs typeface="Arial"/>
+              </a:rPr>
+              <a:t>Nadpisywanie metod</a:t>
+            </a:r>
+            <a:r>
+              <a:rPr/>
+              <a:t> - operatory</a:t>
+            </a:r>
+            <a:endParaRPr/>
+          </a:p>
+        </p:txBody>
+      </p:sp>
+      <p:sp>
+        <p:nvSpPr>
+          <p:cNvPr id="256362753" name="Объект 2"/>
+          <p:cNvSpPr>
+            <a:spLocks noGrp="1"/>
+          </p:cNvSpPr>
+          <p:nvPr>
+            <p:ph idx="1"/>
+          </p:nvPr>
+        </p:nvSpPr>
+        <p:spPr bwMode="auto"/>
+        <p:txBody>
+          <a:bodyPr/>
+          <a:lstStyle/>
+          <a:p>
+            <a:pPr>
+              <a:defRPr/>
+            </a:pPr>
+            <a:endParaRPr/>
+          </a:p>
+        </p:txBody>
+      </p:sp>
+    </p:spTree>
+  </p:cSld>
+  <p:clrMapOvr>
+    <a:masterClrMapping/>
+  </p:clrMapOvr>
+  <mc:AlternateContent xmlns:mc="http://schemas.openxmlformats.org/markup-compatibility/2006">
+    <mc:Choice xmlns:p159="http://schemas.microsoft.com/office/powerpoint/2015/09/main" xmlns:p14="http://schemas.microsoft.com/office/powerpoint/2010/main" Requires="p159">
+      <p:transition p14:dur="2000" advClick="1"/>
+    </mc:Choice>
+    <mc:Fallback>
+      <p:transition advClick="1"/>
+    </mc:Fallback>
+  </mc:AlternateContent>
+</p:sld>
+</file>
+
+<file path=ppt/slides/slide14.xml><?xml version="1.0" encoding="utf-8"?>
+<p:sld xmlns:a="http://schemas.openxmlformats.org/drawingml/2006/main" xmlns:r="http://schemas.openxmlformats.org/officeDocument/2006/relationships" xmlns:p="http://schemas.openxmlformats.org/presentationml/2006/main" xmlns:m="http://schemas.openxmlformats.org/officeDocument/2006/math" xmlns:w="http://schemas.openxmlformats.org/wordprocessingml/2006/main" showMasterPhAnim="0" show="1">
+  <p:cSld name="">
+    <p:spTree>
+      <p:nvGrpSpPr>
+        <p:cNvPr id="1" name=""/>
+        <p:cNvGrpSpPr/>
+        <p:nvPr/>
+      </p:nvGrpSpPr>
+      <p:grpSpPr bwMode="auto">
+        <a:xfrm>
+          <a:off x="0" y="0"/>
+          <a:ext cx="0" cy="0"/>
+          <a:chOff x="0" y="0"/>
+          <a:chExt cx="0" cy="0"/>
+        </a:xfrm>
+      </p:grpSpPr>
+      <p:sp>
+        <p:nvSpPr>
           <p:cNvPr id="494795660" name="Заголовок 1"/>
           <p:cNvSpPr>
             <a:spLocks noGrp="1"/>
@@ -8401,6 +9206,22 @@
             </a:pPr>
             <a:endParaRPr/>
           </a:p>
+          <a:p>
+            <a:pPr>
+              <a:defRPr/>
+            </a:pPr>
+            <a:r>
+              <a:rPr/>
+              <a:t>Zadanie: sprawdzić </a:t>
+            </a:r>
+            <a:endParaRPr/>
+          </a:p>
+          <a:p>
+            <a:pPr>
+              <a:defRPr/>
+            </a:pPr>
+            <a:endParaRPr/>
+          </a:p>
         </p:txBody>
       </p:sp>
       <p:sp>
@@ -8411,7 +9232,7 @@
         </p:nvSpPr>
         <p:spPr bwMode="auto">
           <a:xfrm flipH="0" flipV="0">
-            <a:off x="9224451" y="4277601"/>
+            <a:off x="9224451" y="5563476"/>
             <a:ext cx="2152134" cy="366120"/>
           </a:xfrm>
           <a:prstGeom prst="rect">
@@ -8754,37 +9575,161 @@
             </a:pPr>
             <a:r>
               <a:rPr/>
-              <a:t>Python nie obsługuje mechanizmu kontroli dostępu</a:t>
-            </a:r>
-            <a:endParaRPr/>
-          </a:p>
-          <a:p>
-            <a:pPr>
-              <a:defRPr/>
-            </a:pPr>
-            <a:r>
-              <a:rPr/>
-              <a:t>Obowiązuje jedynie konwencja: _zmienne i _metody są do użytku wewnętrznego</a:t>
-            </a:r>
-            <a:endParaRPr/>
-          </a:p>
-          <a:p>
-            <a:pPr>
-              <a:defRPr/>
-            </a:pPr>
-            <a:r>
-              <a:rPr/>
-              <a:t>Do __zmiennych i __metod też można uzyskać dostęp, ale Python zmienia ich nazwy na obj._klasa__zmienna</a:t>
-            </a:r>
-            <a:endParaRPr/>
-          </a:p>
-          <a:p>
-            <a:pPr>
-              <a:defRPr/>
-            </a:pPr>
-            <a:r>
-              <a:rPr/>
-              <a:t>To pozwala uniknąć problemów z kolizją nazw</a:t>
+              <a:t>Python nie obsługuje mechanizmu kontroli dostępu – wszystko jest de facto publiczne</a:t>
+            </a:r>
+            <a:endParaRPr/>
+          </a:p>
+          <a:p>
+            <a:pPr>
+              <a:defRPr/>
+            </a:pPr>
+            <a:r>
+              <a:rPr/>
+              <a:t>Obowiązuje jedynie konwencja: </a:t>
+            </a:r>
+            <a:r>
+              <a:rPr>
+                <a:latin typeface="Nimbus Mono PS"/>
+                <a:ea typeface="Nimbus Mono PS"/>
+                <a:cs typeface="Nimbus Mono PS"/>
+              </a:rPr>
+              <a:t>_zmienne</a:t>
+            </a:r>
+            <a:r>
+              <a:rPr/>
+              <a:t> i </a:t>
+            </a:r>
+            <a:r>
+              <a:rPr>
+                <a:latin typeface="Nimbus Mono PS"/>
+                <a:ea typeface="Nimbus Mono PS"/>
+                <a:cs typeface="Nimbus Mono PS"/>
+              </a:rPr>
+              <a:t>_metody</a:t>
+            </a:r>
+            <a:r>
+              <a:rPr/>
+              <a:t> są do użytku wewnętrznego</a:t>
+            </a:r>
+            <a:endParaRPr/>
+          </a:p>
+          <a:p>
+            <a:pPr>
+              <a:defRPr/>
+            </a:pPr>
+            <a:r>
+              <a:rPr/>
+              <a:t>Do </a:t>
+            </a:r>
+            <a:r>
+              <a:rPr strike="noStrike">
+                <a:latin typeface="Nimbus Mono PS"/>
+                <a:ea typeface="Nimbus Mono PS"/>
+                <a:cs typeface="Nimbus Mono PS"/>
+              </a:rPr>
+              <a:t>__zmiennych</a:t>
+            </a:r>
+            <a:r>
+              <a:rPr/>
+              <a:t> i </a:t>
+            </a:r>
+            <a:r>
+              <a:rPr>
+                <a:latin typeface="Nimbus Mono PS"/>
+                <a:ea typeface="Nimbus Mono PS"/>
+                <a:cs typeface="Nimbus Mono PS"/>
+              </a:rPr>
+              <a:t>__metod</a:t>
+            </a:r>
+            <a:r>
+              <a:rPr/>
+              <a:t> też można uzyskać dostęp, ale Python zmienia ich nazwy na </a:t>
+            </a:r>
+            <a:r>
+              <a:rPr>
+                <a:latin typeface="Nimbus Mono PS"/>
+                <a:ea typeface="Nimbus Mono PS"/>
+                <a:cs typeface="Nimbus Mono PS"/>
+              </a:rPr>
+              <a:t>obj._klasa__zmienna</a:t>
+            </a:r>
+            <a:r>
+              <a:rPr/>
+              <a:t> (name mangling)</a:t>
+            </a:r>
+            <a:endParaRPr/>
+          </a:p>
+          <a:p>
+            <a:pPr>
+              <a:defRPr/>
+            </a:pPr>
+            <a:r>
+              <a:rPr/>
+              <a:t>To pozwala uniknąć problemów z kolizją nazw przy dziedziczeniu</a:t>
+            </a:r>
+            <a:endParaRPr/>
+          </a:p>
+        </p:txBody>
+      </p:sp>
+      <p:sp>
+        <p:nvSpPr>
+          <p:cNvPr id="1959956258" name=""/>
+          <p:cNvSpPr txBox="1"/>
+          <p:nvPr/>
+        </p:nvSpPr>
+        <p:spPr bwMode="auto">
+          <a:xfrm flipH="0" flipV="0">
+            <a:off x="8259149" y="4943475"/>
+            <a:ext cx="2619374" cy="366119"/>
+          </a:xfrm>
+          <a:prstGeom prst="rect">
+            <a:avLst/>
+          </a:prstGeom>
+          <a:noFill/>
+        </p:spPr>
+        <p:txBody>
+          <a:bodyPr vertOverflow="overflow" horzOverflow="overflow" vert="horz" wrap="square" lIns="91440" tIns="45720" rIns="91440" bIns="45720" numCol="1" spcCol="0" rtlCol="0" fromWordArt="0" anchor="t" anchorCtr="0" forceAA="0" upright="0" compatLnSpc="0">
+            <a:spAutoFit/>
+          </a:bodyPr>
+          <a:p>
+            <a:pPr>
+              <a:defRPr/>
+            </a:pPr>
+            <a:endParaRPr/>
+          </a:p>
+        </p:txBody>
+      </p:sp>
+      <p:sp>
+        <p:nvSpPr>
+          <p:cNvPr id="259850127" name=""/>
+          <p:cNvSpPr txBox="1"/>
+          <p:nvPr/>
+        </p:nvSpPr>
+        <p:spPr bwMode="auto">
+          <a:xfrm flipH="0" flipV="0">
+            <a:off x="8382135" y="5943104"/>
+            <a:ext cx="2994449" cy="366120"/>
+          </a:xfrm>
+          <a:prstGeom prst="rect">
+            <a:avLst/>
+          </a:prstGeom>
+          <a:noFill/>
+        </p:spPr>
+        <p:txBody>
+          <a:bodyPr vertOverflow="overflow" horzOverflow="overflow" vert="horz" wrap="square" lIns="91440" tIns="45720" rIns="91440" bIns="45720" numCol="1" spcCol="0" rtlCol="0" fromWordArt="0" anchor="t" anchorCtr="0" forceAA="0" upright="0" compatLnSpc="0">
+            <a:spAutoFit/>
+          </a:bodyPr>
+          <a:p>
+            <a:pPr>
+              <a:defRPr/>
+            </a:pPr>
+            <a:r>
+              <a:rPr>
+                <a:latin typeface="Nimbus Mono PS"/>
+                <a:ea typeface="Nimbus Mono PS"/>
+                <a:cs typeface="Nimbus Mono PS"/>
+              </a:rPr>
+              <a:t>access.py</a:t>
             </a:r>
             <a:endParaRPr/>
           </a:p>

--- a/Objects/Objects.pptx
+++ b/Objects/Objects.pptx
@@ -5,7 +5,7 @@
     <p:sldMasterId id="2147483648" r:id="rId1"/>
   </p:sldMasterIdLst>
   <p:notesMasterIdLst>
-    <p:notesMasterId r:id="rId18"/>
+    <p:notesMasterId r:id="rId21"/>
   </p:notesMasterIdLst>
   <p:sldIdLst>
     <p:sldId id="256" r:id="rId4"/>
@@ -22,6 +22,9 @@
     <p:sldId id="267" r:id="rId15"/>
     <p:sldId id="268" r:id="rId16"/>
     <p:sldId id="269" r:id="rId17"/>
+    <p:sldId id="270" r:id="rId18"/>
+    <p:sldId id="271" r:id="rId19"/>
+    <p:sldId id="272" r:id="rId20"/>
   </p:sldIdLst>
   <p:sldSz cx="12192000" cy="6858000"/>
   <p:notesSz cx="6858000" cy="9144000"/>
@@ -916,6 +919,252 @@
 </file>
 
 <file path=ppt/notesSlides/notesSlide14.xml><?xml version="1.0" encoding="utf-8"?>
+<p:notes xmlns:a="http://schemas.openxmlformats.org/drawingml/2006/main" xmlns:r="http://schemas.openxmlformats.org/officeDocument/2006/relationships" xmlns:p="http://schemas.openxmlformats.org/presentationml/2006/main" xmlns:m="http://schemas.openxmlformats.org/officeDocument/2006/math" xmlns:w="http://schemas.openxmlformats.org/wordprocessingml/2006/main">
+  <p:cSld name="">
+    <p:spTree>
+      <p:nvGrpSpPr>
+        <p:cNvPr id="1" name=""/>
+        <p:cNvGrpSpPr/>
+        <p:nvPr/>
+      </p:nvGrpSpPr>
+      <p:grpSpPr bwMode="auto">
+        <a:xfrm>
+          <a:off x="0" y="0"/>
+          <a:ext cx="0" cy="0"/>
+          <a:chOff x="0" y="0"/>
+          <a:chExt cx="0" cy="0"/>
+        </a:xfrm>
+      </p:grpSpPr>
+      <p:sp>
+        <p:nvSpPr>
+          <p:cNvPr id="2" name="Slide Image Placeholder 1"/>
+          <p:cNvSpPr>
+            <a:spLocks noChangeAspect="1" noGrp="1" noRot="1"/>
+          </p:cNvSpPr>
+          <p:nvPr>
+            <p:ph type="sldImg"/>
+          </p:nvPr>
+        </p:nvSpPr>
+        <p:spPr bwMode="auto"/>
+      </p:sp>
+      <p:sp>
+        <p:nvSpPr>
+          <p:cNvPr id="3" name="Notes Placeholder 2"/>
+          <p:cNvSpPr>
+            <a:spLocks noGrp="1"/>
+          </p:cNvSpPr>
+          <p:nvPr>
+            <p:ph type="body" idx="1"/>
+          </p:nvPr>
+        </p:nvSpPr>
+        <p:spPr bwMode="auto"/>
+        <p:txBody>
+          <a:bodyPr/>
+          <a:lstStyle/>
+          <a:p>
+            <a:pPr>
+              <a:defRPr/>
+            </a:pPr>
+            <a:endParaRPr/>
+          </a:p>
+        </p:txBody>
+      </p:sp>
+      <p:sp>
+        <p:nvSpPr>
+          <p:cNvPr id="4" name="Slide Number Placeholder 3"/>
+          <p:cNvSpPr>
+            <a:spLocks noGrp="1"/>
+          </p:cNvSpPr>
+          <p:nvPr>
+            <p:ph type="sldNum" sz="quarter" idx="10"/>
+          </p:nvPr>
+        </p:nvSpPr>
+        <p:spPr bwMode="auto"/>
+        <p:txBody>
+          <a:bodyPr/>
+          <a:lstStyle/>
+          <a:p>
+            <a:pPr>
+              <a:defRPr/>
+            </a:pPr>
+            <a:fld id="{577E784E-02C9-10B9-DF63-82F443CC7703}" type="slidenum">
+              <a:rPr/>
+              <a:t/>
+            </a:fld>
+            <a:endParaRPr/>
+          </a:p>
+        </p:txBody>
+      </p:sp>
+    </p:spTree>
+  </p:cSld>
+</p:notes>
+</file>
+
+<file path=ppt/notesSlides/notesSlide15.xml><?xml version="1.0" encoding="utf-8"?>
+<p:notes xmlns:a="http://schemas.openxmlformats.org/drawingml/2006/main" xmlns:r="http://schemas.openxmlformats.org/officeDocument/2006/relationships" xmlns:p="http://schemas.openxmlformats.org/presentationml/2006/main" xmlns:m="http://schemas.openxmlformats.org/officeDocument/2006/math" xmlns:w="http://schemas.openxmlformats.org/wordprocessingml/2006/main">
+  <p:cSld name="">
+    <p:spTree>
+      <p:nvGrpSpPr>
+        <p:cNvPr id="1" name=""/>
+        <p:cNvGrpSpPr/>
+        <p:nvPr/>
+      </p:nvGrpSpPr>
+      <p:grpSpPr bwMode="auto">
+        <a:xfrm>
+          <a:off x="0" y="0"/>
+          <a:ext cx="0" cy="0"/>
+          <a:chOff x="0" y="0"/>
+          <a:chExt cx="0" cy="0"/>
+        </a:xfrm>
+      </p:grpSpPr>
+      <p:sp>
+        <p:nvSpPr>
+          <p:cNvPr id="2" name="Slide Image Placeholder 1"/>
+          <p:cNvSpPr>
+            <a:spLocks noChangeAspect="1" noGrp="1" noRot="1"/>
+          </p:cNvSpPr>
+          <p:nvPr>
+            <p:ph type="sldImg"/>
+          </p:nvPr>
+        </p:nvSpPr>
+        <p:spPr bwMode="auto"/>
+      </p:sp>
+      <p:sp>
+        <p:nvSpPr>
+          <p:cNvPr id="3" name="Notes Placeholder 2"/>
+          <p:cNvSpPr>
+            <a:spLocks noGrp="1"/>
+          </p:cNvSpPr>
+          <p:nvPr>
+            <p:ph type="body" idx="1"/>
+          </p:nvPr>
+        </p:nvSpPr>
+        <p:spPr bwMode="auto"/>
+        <p:txBody>
+          <a:bodyPr/>
+          <a:lstStyle/>
+          <a:p>
+            <a:pPr>
+              <a:defRPr/>
+            </a:pPr>
+            <a:endParaRPr/>
+          </a:p>
+        </p:txBody>
+      </p:sp>
+      <p:sp>
+        <p:nvSpPr>
+          <p:cNvPr id="4" name="Slide Number Placeholder 3"/>
+          <p:cNvSpPr>
+            <a:spLocks noGrp="1"/>
+          </p:cNvSpPr>
+          <p:nvPr>
+            <p:ph type="sldNum" sz="quarter" idx="10"/>
+          </p:nvPr>
+        </p:nvSpPr>
+        <p:spPr bwMode="auto"/>
+        <p:txBody>
+          <a:bodyPr/>
+          <a:lstStyle/>
+          <a:p>
+            <a:pPr>
+              <a:defRPr/>
+            </a:pPr>
+            <a:fld id="{2D2CE31E-9C3E-FDC9-95DA-684B410216D5}" type="slidenum">
+              <a:rPr/>
+              <a:t/>
+            </a:fld>
+            <a:endParaRPr/>
+          </a:p>
+        </p:txBody>
+      </p:sp>
+    </p:spTree>
+  </p:cSld>
+</p:notes>
+</file>
+
+<file path=ppt/notesSlides/notesSlide16.xml><?xml version="1.0" encoding="utf-8"?>
+<p:notes xmlns:a="http://schemas.openxmlformats.org/drawingml/2006/main" xmlns:r="http://schemas.openxmlformats.org/officeDocument/2006/relationships" xmlns:p="http://schemas.openxmlformats.org/presentationml/2006/main" xmlns:m="http://schemas.openxmlformats.org/officeDocument/2006/math" xmlns:w="http://schemas.openxmlformats.org/wordprocessingml/2006/main">
+  <p:cSld name="">
+    <p:spTree>
+      <p:nvGrpSpPr>
+        <p:cNvPr id="1" name=""/>
+        <p:cNvGrpSpPr/>
+        <p:nvPr/>
+      </p:nvGrpSpPr>
+      <p:grpSpPr bwMode="auto">
+        <a:xfrm>
+          <a:off x="0" y="0"/>
+          <a:ext cx="0" cy="0"/>
+          <a:chOff x="0" y="0"/>
+          <a:chExt cx="0" cy="0"/>
+        </a:xfrm>
+      </p:grpSpPr>
+      <p:sp>
+        <p:nvSpPr>
+          <p:cNvPr id="2" name="Slide Image Placeholder 1"/>
+          <p:cNvSpPr>
+            <a:spLocks noChangeAspect="1" noGrp="1" noRot="1"/>
+          </p:cNvSpPr>
+          <p:nvPr>
+            <p:ph type="sldImg"/>
+          </p:nvPr>
+        </p:nvSpPr>
+        <p:spPr bwMode="auto"/>
+      </p:sp>
+      <p:sp>
+        <p:nvSpPr>
+          <p:cNvPr id="3" name="Notes Placeholder 2"/>
+          <p:cNvSpPr>
+            <a:spLocks noGrp="1"/>
+          </p:cNvSpPr>
+          <p:nvPr>
+            <p:ph type="body" idx="1"/>
+          </p:nvPr>
+        </p:nvSpPr>
+        <p:spPr bwMode="auto"/>
+        <p:txBody>
+          <a:bodyPr/>
+          <a:lstStyle/>
+          <a:p>
+            <a:pPr>
+              <a:defRPr/>
+            </a:pPr>
+            <a:endParaRPr/>
+          </a:p>
+        </p:txBody>
+      </p:sp>
+      <p:sp>
+        <p:nvSpPr>
+          <p:cNvPr id="4" name="Slide Number Placeholder 3"/>
+          <p:cNvSpPr>
+            <a:spLocks noGrp="1"/>
+          </p:cNvSpPr>
+          <p:nvPr>
+            <p:ph type="sldNum" sz="quarter" idx="10"/>
+          </p:nvPr>
+        </p:nvSpPr>
+        <p:spPr bwMode="auto"/>
+        <p:txBody>
+          <a:bodyPr/>
+          <a:lstStyle/>
+          <a:p>
+            <a:pPr>
+              <a:defRPr/>
+            </a:pPr>
+            <a:fld id="{EA1EB3AE-FD22-BE6C-7EE1-1166C5434180}" type="slidenum">
+              <a:rPr/>
+              <a:t/>
+            </a:fld>
+            <a:endParaRPr/>
+          </a:p>
+        </p:txBody>
+      </p:sp>
+    </p:spTree>
+  </p:cSld>
+</p:notes>
+</file>
+
+<file path=ppt/notesSlides/notesSlide17.xml><?xml version="1.0" encoding="utf-8"?>
 <p:notes xmlns:a="http://schemas.openxmlformats.org/drawingml/2006/main" xmlns:r="http://schemas.openxmlformats.org/officeDocument/2006/relationships" xmlns:p="http://schemas.openxmlformats.org/presentationml/2006/main" xmlns:m="http://schemas.openxmlformats.org/officeDocument/2006/math" xmlns:w="http://schemas.openxmlformats.org/wordprocessingml/2006/main">
   <p:cSld name="">
     <p:spTree>
@@ -8200,14 +8449,194 @@
             <p:ph idx="1"/>
           </p:nvPr>
         </p:nvSpPr>
-        <p:spPr bwMode="auto"/>
-        <p:txBody>
-          <a:bodyPr/>
-          <a:lstStyle/>
-          <a:p>
-            <a:pPr>
-              <a:defRPr/>
-            </a:pPr>
+        <p:spPr bwMode="auto">
+          <a:xfrm flipH="0" flipV="0">
+            <a:off x="799252" y="1600202"/>
+            <a:ext cx="10577332" cy="4690726"/>
+          </a:xfrm>
+        </p:spPr>
+        <p:txBody>
+          <a:bodyPr vertOverflow="overflow" horzOverflow="overflow" vert="horz" wrap="square" lIns="91440" tIns="45720" rIns="91440" bIns="45720" numCol="1" spcCol="0" rtlCol="0" fromWordArt="0" anchor="t" anchorCtr="0" forceAA="0" upright="0" compatLnSpc="0">
+            <a:normAutofit fontScale="75000" lnSpcReduction="5000"/>
+          </a:bodyPr>
+          <a:lstStyle/>
+          <a:p>
+            <a:pPr>
+              <a:defRPr/>
+            </a:pPr>
+            <a:r>
+              <a:rPr>
+                <a:latin typeface="Nimbus Mono PS"/>
+                <a:ea typeface="Nimbus Mono PS"/>
+                <a:cs typeface="Nimbus Mono PS"/>
+              </a:rPr>
+              <a:t>__add__(self, other)		x+y = x.__add__(y)</a:t>
+            </a:r>
+            <a:endParaRPr>
+              <a:latin typeface="Nimbus Mono PS"/>
+              <a:cs typeface="Nimbus Mono PS"/>
+            </a:endParaRPr>
+          </a:p>
+          <a:p>
+            <a:pPr>
+              <a:defRPr/>
+            </a:pPr>
+            <a:r>
+              <a:rPr>
+                <a:latin typeface="Nimbus Mono PS"/>
+                <a:ea typeface="Nimbus Mono PS"/>
+                <a:cs typeface="Nimbus Mono PS"/>
+              </a:rPr>
+              <a:t>__sub__(self,other)		</a:t>
+            </a:r>
+            <a:r>
+              <a:rPr lang="pl-PL" sz="3200" b="0" i="0" u="none" strike="noStrike" cap="none" spc="0">
+                <a:solidFill>
+                  <a:schemeClr val="accent6">
+                    <a:lumMod val="50000"/>
+                  </a:schemeClr>
+                </a:solidFill>
+                <a:latin typeface="Nimbus Mono PS"/>
+                <a:ea typeface="Nimbus Mono PS"/>
+                <a:cs typeface="Nimbus Mono PS"/>
+              </a:rPr>
+              <a:t>x-y = x.__sub__(y)</a:t>
+            </a:r>
+            <a:endParaRPr>
+              <a:latin typeface="Nimbus Mono PS"/>
+              <a:cs typeface="Nimbus Mono PS"/>
+            </a:endParaRPr>
+          </a:p>
+          <a:p>
+            <a:pPr>
+              <a:defRPr/>
+            </a:pPr>
+            <a:r>
+              <a:rPr>
+                <a:latin typeface="Nimbus Mono PS"/>
+                <a:ea typeface="Nimbus Mono PS"/>
+                <a:cs typeface="Nimbus Mono PS"/>
+              </a:rPr>
+              <a:t>__mul__(self,other)		x*y = x.__mul__(y)</a:t>
+            </a:r>
+            <a:endParaRPr>
+              <a:latin typeface="Nimbus Mono PS"/>
+              <a:cs typeface="Nimbus Mono PS"/>
+            </a:endParaRPr>
+          </a:p>
+          <a:p>
+            <a:pPr>
+              <a:defRPr/>
+            </a:pPr>
+            <a:r>
+              <a:rPr>
+                <a:latin typeface="Nimbus Mono PS"/>
+                <a:ea typeface="Nimbus Mono PS"/>
+                <a:cs typeface="Nimbus Mono PS"/>
+              </a:rPr>
+              <a:t>__truediv__(self, other)	x/y = x.__truediv__(y)</a:t>
+            </a:r>
+            <a:endParaRPr>
+              <a:latin typeface="Nimbus Mono PS"/>
+              <a:cs typeface="Nimbus Mono PS"/>
+            </a:endParaRPr>
+          </a:p>
+          <a:p>
+            <a:pPr>
+              <a:defRPr/>
+            </a:pPr>
+            <a:r>
+              <a:rPr>
+                <a:latin typeface="Nimbus Mono PS"/>
+                <a:ea typeface="Nimbus Mono PS"/>
+                <a:cs typeface="Nimbus Mono PS"/>
+              </a:rPr>
+              <a:t>__pow__(self, other)		x**y = x.__pow__(y)</a:t>
+            </a:r>
+            <a:endParaRPr>
+              <a:latin typeface="Nimbus Mono PS"/>
+              <a:ea typeface="Nimbus Mono PS"/>
+              <a:cs typeface="Nimbus Mono PS"/>
+            </a:endParaRPr>
+          </a:p>
+          <a:p>
+            <a:pPr>
+              <a:defRPr/>
+            </a:pPr>
+            <a:r>
+              <a:rPr>
+                <a:latin typeface="Nimbus Mono PS"/>
+                <a:ea typeface="Nimbus Mono PS"/>
+                <a:cs typeface="Nimbus Mono PS"/>
+              </a:rPr>
+              <a:t>__eq__(self,other)			x == y = x.__eq__(y)</a:t>
+            </a:r>
+            <a:endParaRPr/>
+          </a:p>
+          <a:p>
+            <a:pPr>
+              <a:defRPr/>
+            </a:pPr>
+            <a:endParaRPr/>
+          </a:p>
+          <a:p>
+            <a:pPr>
+              <a:defRPr/>
+            </a:pPr>
+            <a:r>
+              <a:rPr/>
+              <a:t>Zadanie: napisać klasę które reprezentuje funkcję liniową.</a:t>
+            </a:r>
+            <a:endParaRPr/>
+          </a:p>
+          <a:p>
+            <a:pPr>
+              <a:defRPr/>
+            </a:pPr>
+            <a:r>
+              <a:rPr/>
+              <a:t>Parametry: a, b</a:t>
+            </a:r>
+            <a:endParaRPr/>
+          </a:p>
+          <a:p>
+            <a:pPr>
+              <a:defRPr/>
+            </a:pPr>
+            <a:r>
+              <a:rPr/>
+              <a:t>Możliwość dodania liczby i innej funkcji</a:t>
+            </a:r>
+            <a:endParaRPr/>
+          </a:p>
+          <a:p>
+            <a:pPr>
+              <a:defRPr/>
+            </a:pPr>
+            <a:r>
+              <a:rPr/>
+              <a:t>Możliwość mnożenia i dzielenia przez liczbę</a:t>
+            </a:r>
+            <a:endParaRPr/>
+          </a:p>
+          <a:p>
+            <a:pPr>
+              <a:defRPr/>
+            </a:pPr>
+            <a:r>
+              <a:rPr/>
+              <a:t>Metoda która zwraca wynik dla danego x</a:t>
+            </a:r>
+            <a:endParaRPr/>
+          </a:p>
+          <a:p>
+            <a:pPr>
+              <a:defRPr/>
+            </a:pPr>
+            <a:r>
+              <a:rPr/>
+              <a:t>Możliwość porównania z inną funkcją</a:t>
+            </a:r>
             <a:endParaRPr/>
           </a:p>
         </p:txBody>
@@ -8247,6 +8676,466 @@
       </p:grpSpPr>
       <p:sp>
         <p:nvSpPr>
+          <p:cNvPr id="1114024997" name="Заголовок 1"/>
+          <p:cNvSpPr>
+            <a:spLocks noGrp="1"/>
+          </p:cNvSpPr>
+          <p:nvPr>
+            <p:ph type="title"/>
+          </p:nvPr>
+        </p:nvSpPr>
+        <p:spPr bwMode="auto"/>
+        <p:txBody>
+          <a:bodyPr/>
+          <a:lstStyle/>
+          <a:p>
+            <a:pPr>
+              <a:defRPr/>
+            </a:pPr>
+            <a:r>
+              <a:rPr/>
+              <a:t>Wywołanie obiektu?</a:t>
+            </a:r>
+            <a:endParaRPr/>
+          </a:p>
+        </p:txBody>
+      </p:sp>
+      <p:sp>
+        <p:nvSpPr>
+          <p:cNvPr id="1603292315" name="Объект 2"/>
+          <p:cNvSpPr>
+            <a:spLocks noGrp="1"/>
+          </p:cNvSpPr>
+          <p:nvPr>
+            <p:ph idx="1"/>
+          </p:nvPr>
+        </p:nvSpPr>
+        <p:spPr bwMode="auto"/>
+        <p:txBody>
+          <a:bodyPr/>
+          <a:lstStyle/>
+          <a:p>
+            <a:pPr>
+              <a:defRPr/>
+            </a:pPr>
+            <a:r>
+              <a:rPr/>
+              <a:t>Ostatnio, kiedy próbowaliśmy czegoś takiego, Python wyrzucił błąd</a:t>
+            </a:r>
+            <a:endParaRPr/>
+          </a:p>
+          <a:p>
+            <a:pPr>
+              <a:defRPr/>
+            </a:pPr>
+            <a:r>
+              <a:rPr>
+                <a:latin typeface="Nimbus Mono PS"/>
+                <a:ea typeface="Nimbus Mono PS"/>
+                <a:cs typeface="Nimbus Mono PS"/>
+              </a:rPr>
+              <a:t>__call__(self)</a:t>
+            </a:r>
+            <a:r>
+              <a:rPr/>
+              <a:t> pozwala wywołać obiekt tak, jak funkcję</a:t>
+            </a:r>
+            <a:endParaRPr/>
+          </a:p>
+          <a:p>
+            <a:pPr>
+              <a:defRPr/>
+            </a:pPr>
+            <a:endParaRPr/>
+          </a:p>
+          <a:p>
+            <a:pPr>
+              <a:defRPr/>
+            </a:pPr>
+            <a:r>
+              <a:rPr/>
+              <a:t>Zadanie: Niech funkcja z poprzedniego zadania zwraca wynik po wywołaniu</a:t>
+            </a:r>
+            <a:endParaRPr/>
+          </a:p>
+        </p:txBody>
+      </p:sp>
+    </p:spTree>
+  </p:cSld>
+  <p:clrMapOvr>
+    <a:masterClrMapping/>
+  </p:clrMapOvr>
+  <mc:AlternateContent xmlns:mc="http://schemas.openxmlformats.org/markup-compatibility/2006">
+    <mc:Choice xmlns:p159="http://schemas.microsoft.com/office/powerpoint/2015/09/main" xmlns:p14="http://schemas.microsoft.com/office/powerpoint/2010/main" Requires="p159">
+      <p:transition p14:dur="2000" advClick="1"/>
+    </mc:Choice>
+    <mc:Fallback>
+      <p:transition advClick="1"/>
+    </mc:Fallback>
+  </mc:AlternateContent>
+</p:sld>
+</file>
+
+<file path=ppt/slides/slide15.xml><?xml version="1.0" encoding="utf-8"?>
+<p:sld xmlns:a="http://schemas.openxmlformats.org/drawingml/2006/main" xmlns:r="http://schemas.openxmlformats.org/officeDocument/2006/relationships" xmlns:p="http://schemas.openxmlformats.org/presentationml/2006/main" xmlns:m="http://schemas.openxmlformats.org/officeDocument/2006/math" xmlns:w="http://schemas.openxmlformats.org/wordprocessingml/2006/main" showMasterPhAnim="0" show="1">
+  <p:cSld name="">
+    <p:spTree>
+      <p:nvGrpSpPr>
+        <p:cNvPr id="1" name=""/>
+        <p:cNvGrpSpPr/>
+        <p:nvPr/>
+      </p:nvGrpSpPr>
+      <p:grpSpPr bwMode="auto">
+        <a:xfrm>
+          <a:off x="0" y="0"/>
+          <a:ext cx="0" cy="0"/>
+          <a:chOff x="0" y="0"/>
+          <a:chExt cx="0" cy="0"/>
+        </a:xfrm>
+      </p:grpSpPr>
+      <p:sp>
+        <p:nvSpPr>
+          <p:cNvPr id="1831102427" name="Заголовок 1"/>
+          <p:cNvSpPr>
+            <a:spLocks noGrp="1"/>
+          </p:cNvSpPr>
+          <p:nvPr>
+            <p:ph type="title"/>
+          </p:nvPr>
+        </p:nvSpPr>
+        <p:spPr bwMode="auto"/>
+        <p:txBody>
+          <a:bodyPr/>
+          <a:lstStyle/>
+          <a:p>
+            <a:pPr>
+              <a:defRPr/>
+            </a:pPr>
+            <a:r>
+              <a:rPr/>
+              <a:t>Wyświetlenie obiektu</a:t>
+            </a:r>
+            <a:endParaRPr/>
+          </a:p>
+        </p:txBody>
+      </p:sp>
+      <p:sp>
+        <p:nvSpPr>
+          <p:cNvPr id="1065528284" name="Объект 2"/>
+          <p:cNvSpPr>
+            <a:spLocks noGrp="1"/>
+          </p:cNvSpPr>
+          <p:nvPr>
+            <p:ph idx="1"/>
+          </p:nvPr>
+        </p:nvSpPr>
+        <p:spPr bwMode="auto"/>
+        <p:txBody>
+          <a:bodyPr/>
+          <a:lstStyle/>
+          <a:p>
+            <a:pPr>
+              <a:defRPr/>
+            </a:pPr>
+            <a:r>
+              <a:rPr/>
+              <a:t>__str__(self) definiuje w jaki sposób obiekt jest konwertowany na stringa</a:t>
+            </a:r>
+            <a:endParaRPr/>
+          </a:p>
+          <a:p>
+            <a:pPr>
+              <a:defRPr/>
+            </a:pPr>
+            <a:r>
+              <a:rPr/>
+              <a:t>Konwersja w wielu miejscach następuje automatycznie (np. po wywołaniu funkcji print)</a:t>
+            </a:r>
+            <a:endParaRPr/>
+          </a:p>
+          <a:p>
+            <a:pPr>
+              <a:defRPr/>
+            </a:pPr>
+            <a:endParaRPr/>
+          </a:p>
+          <a:p>
+            <a:pPr>
+              <a:defRPr/>
+            </a:pPr>
+            <a:endParaRPr/>
+          </a:p>
+          <a:p>
+            <a:pPr>
+              <a:defRPr/>
+            </a:pPr>
+            <a:r>
+              <a:rPr/>
+              <a:t>Zadanie: Zaimplementować wyświetlanie funkcji liniowej</a:t>
+            </a:r>
+            <a:endParaRPr/>
+          </a:p>
+        </p:txBody>
+      </p:sp>
+    </p:spTree>
+  </p:cSld>
+  <p:clrMapOvr>
+    <a:masterClrMapping/>
+  </p:clrMapOvr>
+  <mc:AlternateContent xmlns:mc="http://schemas.openxmlformats.org/markup-compatibility/2006">
+    <mc:Choice xmlns:p159="http://schemas.microsoft.com/office/powerpoint/2015/09/main" xmlns:p14="http://schemas.microsoft.com/office/powerpoint/2010/main" Requires="p159">
+      <p:transition p14:dur="2000" advClick="1"/>
+    </mc:Choice>
+    <mc:Fallback>
+      <p:transition advClick="1"/>
+    </mc:Fallback>
+  </mc:AlternateContent>
+</p:sld>
+</file>
+
+<file path=ppt/slides/slide16.xml><?xml version="1.0" encoding="utf-8"?>
+<p:sld xmlns:a="http://schemas.openxmlformats.org/drawingml/2006/main" xmlns:r="http://schemas.openxmlformats.org/officeDocument/2006/relationships" xmlns:p="http://schemas.openxmlformats.org/presentationml/2006/main" xmlns:m="http://schemas.openxmlformats.org/officeDocument/2006/math" xmlns:w="http://schemas.openxmlformats.org/wordprocessingml/2006/main" showMasterPhAnim="0" show="1">
+  <p:cSld name="">
+    <p:spTree>
+      <p:nvGrpSpPr>
+        <p:cNvPr id="1" name=""/>
+        <p:cNvGrpSpPr/>
+        <p:nvPr/>
+      </p:nvGrpSpPr>
+      <p:grpSpPr bwMode="auto">
+        <a:xfrm>
+          <a:off x="0" y="0"/>
+          <a:ext cx="0" cy="0"/>
+          <a:chOff x="0" y="0"/>
+          <a:chExt cx="0" cy="0"/>
+        </a:xfrm>
+      </p:grpSpPr>
+      <p:sp>
+        <p:nvSpPr>
+          <p:cNvPr id="1336314580" name="Заголовок 1"/>
+          <p:cNvSpPr>
+            <a:spLocks noGrp="1"/>
+          </p:cNvSpPr>
+          <p:nvPr>
+            <p:ph type="title"/>
+          </p:nvPr>
+        </p:nvSpPr>
+        <p:spPr bwMode="auto"/>
+        <p:txBody>
+          <a:bodyPr/>
+          <a:lstStyle/>
+          <a:p>
+            <a:pPr>
+              <a:defRPr/>
+            </a:pPr>
+            <a:r>
+              <a:rPr/>
+              <a:t>Iteratory</a:t>
+            </a:r>
+            <a:endParaRPr/>
+          </a:p>
+        </p:txBody>
+      </p:sp>
+      <p:sp>
+        <p:nvSpPr>
+          <p:cNvPr id="187109348" name="Объект 2"/>
+          <p:cNvSpPr>
+            <a:spLocks noGrp="1"/>
+          </p:cNvSpPr>
+          <p:nvPr>
+            <p:ph idx="1"/>
+          </p:nvPr>
+        </p:nvSpPr>
+        <p:spPr bwMode="auto"/>
+        <p:txBody>
+          <a:bodyPr/>
+          <a:lstStyle/>
+          <a:p>
+            <a:pPr>
+              <a:defRPr/>
+            </a:pPr>
+            <a:r>
+              <a:rPr/>
+              <a:t>Iterator to obiekt, przez który możemy przejść przy pomocy pętli for</a:t>
+            </a:r>
+            <a:endParaRPr/>
+          </a:p>
+          <a:p>
+            <a:pPr>
+              <a:defRPr/>
+            </a:pPr>
+            <a:r>
+              <a:rPr/>
+              <a:t>Iterator wymaga zdefiniowania dwóch metod:</a:t>
+            </a:r>
+            <a:endParaRPr/>
+          </a:p>
+          <a:p>
+            <a:pPr lvl="1">
+              <a:defRPr/>
+            </a:pPr>
+            <a:r>
+              <a:rPr>
+                <a:latin typeface="Nimbus Mono PS"/>
+                <a:ea typeface="Nimbus Mono PS"/>
+                <a:cs typeface="Nimbus Mono PS"/>
+              </a:rPr>
+              <a:t>__iter__(self)</a:t>
+            </a:r>
+            <a:r>
+              <a:rPr/>
+              <a:t>: zwraca samego siebie</a:t>
+            </a:r>
+            <a:endParaRPr/>
+          </a:p>
+          <a:p>
+            <a:pPr lvl="1">
+              <a:defRPr/>
+            </a:pPr>
+            <a:r>
+              <a:rPr>
+                <a:latin typeface="Nimbus Mono PS"/>
+                <a:ea typeface="Nimbus Mono PS"/>
+                <a:cs typeface="Nimbus Mono PS"/>
+              </a:rPr>
+              <a:t>__next__(self)</a:t>
+            </a:r>
+            <a:r>
+              <a:rPr/>
+              <a:t>: zwraca wynik kolejnej iteracji. Kończy się wyjątkiem </a:t>
+            </a:r>
+            <a:r>
+              <a:rPr>
+                <a:latin typeface="Nimbus Mono PS"/>
+                <a:ea typeface="Nimbus Mono PS"/>
+                <a:cs typeface="Nimbus Mono PS"/>
+              </a:rPr>
+              <a:t>StopIteration</a:t>
+            </a:r>
+            <a:endParaRPr>
+              <a:latin typeface="Nimbus Mono PS"/>
+              <a:ea typeface="Nimbus Mono PS"/>
+              <a:cs typeface="Nimbus Mono PS"/>
+            </a:endParaRPr>
+          </a:p>
+          <a:p>
+            <a:pPr lvl="1">
+              <a:defRPr/>
+            </a:pPr>
+            <a:r>
+              <a:rPr lang="pl-PL" sz="2800" b="0" i="0" u="none" strike="noStrike" cap="none" spc="0">
+                <a:solidFill>
+                  <a:schemeClr val="accent6">
+                    <a:lumMod val="50000"/>
+                  </a:schemeClr>
+                </a:solidFill>
+                <a:latin typeface="+mn-lt"/>
+                <a:ea typeface="+mn-ea"/>
+                <a:cs typeface="+mn-cs"/>
+              </a:rPr>
+              <a:t>Oczywiście przydatny jest też</a:t>
+            </a:r>
+            <a:r>
+              <a:rPr lang="pl-PL" sz="2800" b="0" i="0" u="none" strike="noStrike" cap="none" spc="0">
+                <a:solidFill>
+                  <a:schemeClr val="accent6">
+                    <a:lumMod val="50000"/>
+                  </a:schemeClr>
+                </a:solidFill>
+                <a:latin typeface="Nimbus Mono PS"/>
+                <a:ea typeface="Nimbus Mono PS"/>
+                <a:cs typeface="Nimbus Mono PS"/>
+              </a:rPr>
+              <a:t> __init__(self, ...)</a:t>
+            </a:r>
+            <a:r>
+              <a:rPr lang="pl-PL" sz="2800" b="0" i="0" u="none" strike="noStrike" cap="none" spc="0">
+                <a:solidFill>
+                  <a:schemeClr val="accent6">
+                    <a:lumMod val="50000"/>
+                  </a:schemeClr>
+                </a:solidFill>
+                <a:latin typeface="Arial"/>
+                <a:ea typeface="Arial"/>
+                <a:cs typeface="Arial"/>
+              </a:rPr>
+              <a:t>, do którego możemy podać wstępne dane</a:t>
+            </a:r>
+            <a:endParaRPr/>
+          </a:p>
+        </p:txBody>
+      </p:sp>
+      <p:sp>
+        <p:nvSpPr>
+          <p:cNvPr id="1194485334" name=""/>
+          <p:cNvSpPr txBox="1"/>
+          <p:nvPr/>
+        </p:nvSpPr>
+        <p:spPr bwMode="auto">
+          <a:xfrm flipH="0" flipV="0">
+            <a:off x="8273622" y="5627021"/>
+            <a:ext cx="3102962" cy="366120"/>
+          </a:xfrm>
+          <a:prstGeom prst="rect">
+            <a:avLst/>
+          </a:prstGeom>
+          <a:noFill/>
+        </p:spPr>
+        <p:txBody>
+          <a:bodyPr vertOverflow="overflow" horzOverflow="overflow" vert="horz" wrap="square" lIns="91440" tIns="45720" rIns="91440" bIns="45720" numCol="1" spcCol="0" rtlCol="0" fromWordArt="0" anchor="t" anchorCtr="0" forceAA="0" upright="0" compatLnSpc="0">
+            <a:spAutoFit/>
+          </a:bodyPr>
+          <a:p>
+            <a:pPr>
+              <a:defRPr/>
+            </a:pPr>
+            <a:r>
+              <a:rPr>
+                <a:latin typeface="Nimbus Mono PS"/>
+                <a:ea typeface="Nimbus Mono PS"/>
+                <a:cs typeface="Nimbus Mono PS"/>
+              </a:rPr>
+              <a:t>line4(iterator).py</a:t>
+            </a:r>
+            <a:endParaRPr/>
+          </a:p>
+        </p:txBody>
+      </p:sp>
+    </p:spTree>
+  </p:cSld>
+  <p:clrMapOvr>
+    <a:masterClrMapping/>
+  </p:clrMapOvr>
+  <mc:AlternateContent xmlns:mc="http://schemas.openxmlformats.org/markup-compatibility/2006">
+    <mc:Choice xmlns:p159="http://schemas.microsoft.com/office/powerpoint/2015/09/main" xmlns:p14="http://schemas.microsoft.com/office/powerpoint/2010/main" Requires="p159">
+      <p:transition p14:dur="2000" advClick="1"/>
+    </mc:Choice>
+    <mc:Fallback>
+      <p:transition advClick="1"/>
+    </mc:Fallback>
+  </mc:AlternateContent>
+</p:sld>
+</file>
+
+<file path=ppt/slides/slide17.xml><?xml version="1.0" encoding="utf-8"?>
+<p:sld xmlns:a="http://schemas.openxmlformats.org/drawingml/2006/main" xmlns:r="http://schemas.openxmlformats.org/officeDocument/2006/relationships" xmlns:p="http://schemas.openxmlformats.org/presentationml/2006/main" xmlns:m="http://schemas.openxmlformats.org/officeDocument/2006/math" xmlns:w="http://schemas.openxmlformats.org/wordprocessingml/2006/main" showMasterPhAnim="0" show="1">
+  <p:cSld name="">
+    <p:spTree>
+      <p:nvGrpSpPr>
+        <p:cNvPr id="1" name=""/>
+        <p:cNvGrpSpPr/>
+        <p:nvPr/>
+      </p:nvGrpSpPr>
+      <p:grpSpPr bwMode="auto">
+        <a:xfrm>
+          <a:off x="0" y="0"/>
+          <a:ext cx="0" cy="0"/>
+          <a:chOff x="0" y="0"/>
+          <a:chExt cx="0" cy="0"/>
+        </a:xfrm>
+      </p:grpSpPr>
+      <p:sp>
+        <p:nvSpPr>
           <p:cNvPr id="494795660" name="Заголовок 1"/>
           <p:cNvSpPr>
             <a:spLocks noGrp="1"/>
@@ -8319,6 +9208,35 @@
               <a:defRPr/>
             </a:pPr>
             <a:r>
+              <a:rPr lang="pl-PL" sz="3200" b="0" i="0" u="sng" strike="noStrike" cap="none" spc="0">
+                <a:solidFill>
+                  <a:schemeClr val="accent6">
+                    <a:lumMod val="50000"/>
+                  </a:schemeClr>
+                </a:solidFill>
+                <a:latin typeface="Arial"/>
+                <a:ea typeface="Arial"/>
+                <a:cs typeface="Arial"/>
+                <a:hlinkClick r:id="rId4" tooltip="https://www.geeksforgeeks.org/"/>
+              </a:rPr>
+              <a:t>https://www.geeksforgeeks.org/</a:t>
+            </a:r>
+            <a:endParaRPr lang="pl-PL" sz="3200" b="0" i="0" u="none" strike="noStrike" cap="none" spc="0">
+              <a:solidFill>
+                <a:schemeClr val="accent6">
+                  <a:lumMod val="50000"/>
+                </a:schemeClr>
+              </a:solidFill>
+              <a:latin typeface="Arial"/>
+              <a:ea typeface="Arial"/>
+              <a:cs typeface="Arial"/>
+            </a:endParaRPr>
+          </a:p>
+          <a:p>
+            <a:pPr>
+              <a:defRPr/>
+            </a:pPr>
+            <a:r>
               <a:rPr lang="pl-PL" sz="3200" b="0" i="0" u="none" strike="noStrike" cap="none" spc="0">
                 <a:solidFill>
                   <a:schemeClr val="accent6">
@@ -8329,9 +9247,64 @@
                 <a:ea typeface="Arial"/>
                 <a:cs typeface="Arial"/>
               </a:rPr>
-              <a:t>https://www.geeksforgeeks.org/</a:t>
-            </a:r>
-            <a:endParaRPr/>
+              <a:t>https://</a:t>
+            </a:r>
+            <a:r>
+              <a:rPr lang="pl-PL" sz="3200" b="0" i="0" u="sng" strike="noStrike" cap="none" spc="0">
+                <a:solidFill>
+                  <a:schemeClr val="accent6">
+                    <a:lumMod val="50000"/>
+                  </a:schemeClr>
+                </a:solidFill>
+                <a:latin typeface="Arial"/>
+                <a:ea typeface="Arial"/>
+                <a:cs typeface="Arial"/>
+                <a:hlinkClick r:id="rId5" tooltip="http://www.pythonlikeyoumeanit.com"/>
+              </a:rPr>
+              <a:t>www.pythonlikeyoumeanit.com</a:t>
+            </a:r>
+            <a:endParaRPr lang="pl-PL" sz="3200" b="0" i="0" u="none" strike="noStrike" cap="none" spc="0">
+              <a:solidFill>
+                <a:schemeClr val="accent6">
+                  <a:lumMod val="50000"/>
+                </a:schemeClr>
+              </a:solidFill>
+              <a:latin typeface="Arial"/>
+              <a:ea typeface="Arial"/>
+              <a:cs typeface="Arial"/>
+            </a:endParaRPr>
+          </a:p>
+          <a:p>
+            <a:pPr>
+              <a:defRPr/>
+            </a:pPr>
+            <a:r>
+              <a:rPr lang="pl-PL" sz="3200" b="0" i="0" u="none" strike="noStrike" cap="none" spc="0">
+                <a:solidFill>
+                  <a:schemeClr val="accent6">
+                    <a:lumMod val="50000"/>
+                  </a:schemeClr>
+                </a:solidFill>
+                <a:latin typeface="Arial"/>
+                <a:ea typeface="Arial"/>
+                <a:cs typeface="Arial"/>
+              </a:rPr>
+              <a:t>htps://www.</a:t>
+            </a:r>
+            <a:r>
+              <a:rPr lang="pl-PL" sz="3200" b="0" i="0" u="none" strike="noStrike" cap="none" spc="0">
+                <a:solidFill>
+                  <a:schemeClr val="accent6">
+                    <a:lumMod val="50000"/>
+                  </a:schemeClr>
+                </a:solidFill>
+                <a:latin typeface="Arial"/>
+                <a:ea typeface="Arial"/>
+                <a:cs typeface="Arial"/>
+              </a:rPr>
+              <a:t>realpython.com</a:t>
+            </a:r>
+            <a:endParaRPr lang="pl-PL"/>
           </a:p>
         </p:txBody>
       </p:sp>
@@ -8666,7 +9639,7 @@
         </p:nvSpPr>
         <p:spPr bwMode="auto">
           <a:xfrm flipH="0" flipV="0">
-            <a:off x="9667311" y="4497036"/>
+            <a:off x="9667310" y="4497036"/>
             <a:ext cx="2037766" cy="366120"/>
           </a:xfrm>
           <a:prstGeom prst="rect">
@@ -8824,7 +9797,7 @@
         </p:nvSpPr>
         <p:spPr bwMode="auto">
           <a:xfrm flipH="0" flipV="0">
-            <a:off x="9512001" y="4901045"/>
+            <a:off x="9512000" y="4901045"/>
             <a:ext cx="1864584" cy="366120"/>
           </a:xfrm>
           <a:prstGeom prst="rect">
